--- a/2018-11-11/[PRD-15]UML基础二.pptx
+++ b/2018-11-11/[PRD-15]UML基础二.pptx
@@ -279,7 +279,7 @@
           <a:p>
             <a:fld id="{A109EA2A-4C48-4C61-B30A-DAB1A3E93B21}" type="datetimeFigureOut">
               <a:rPr lang="zh-CN" altLang="en-US" smtClean="0"/>
-              <a:t>2018/11/10</a:t>
+              <a:t>2018/11/11</a:t>
             </a:fld>
             <a:endParaRPr lang="zh-CN" altLang="en-US"/>
           </a:p>
@@ -9224,7 +9224,7 @@
           <a:lstStyle/>
           <a:p>
             <a:r>
-              <a:rPr lang="en-US" altLang="zh-CN" sz="2800">
+              <a:rPr lang="en-US" altLang="zh-CN" sz="2800" dirty="0">
                 <a:solidFill>
                   <a:schemeClr val="tx1"/>
                 </a:solidFill>
@@ -9234,7 +9234,7 @@
               <a:t>3</a:t>
             </a:r>
             <a:r>
-              <a:rPr lang="zh-CN" altLang="en-US" sz="2800">
+              <a:rPr lang="zh-CN" altLang="en-US" sz="2800" dirty="0">
                 <a:solidFill>
                   <a:schemeClr val="tx1"/>
                 </a:solidFill>
@@ -9243,45 +9243,57 @@
               </a:rPr>
               <a:t>.一致性</a:t>
             </a:r>
-            <a:endParaRPr lang="zh-CN" altLang="en-US" sz="2800"/>
-          </a:p>
-          <a:p>
-            <a:endParaRPr lang="zh-CN" altLang="en-US"/>
-          </a:p>
-          <a:p>
-            <a:r>
-              <a:rPr lang="zh-CN" altLang="en-US" sz="2400"/>
-              <a:t>在画面中，视觉元素的外观不应该是一样的，除非他们的功能相近。所有如果是功能相同或相近的元素，那么它们外观就应该是类似的</a:t>
-            </a:r>
-            <a:r>
-              <a:rPr lang="zh-CN" altLang="en-US" sz="2400" b="1"/>
+            <a:endParaRPr lang="zh-CN" altLang="en-US" sz="2800" dirty="0"/>
+          </a:p>
+          <a:p>
+            <a:endParaRPr lang="zh-CN" altLang="en-US" dirty="0"/>
+          </a:p>
+          <a:p>
+            <a:r>
+              <a:rPr lang="zh-CN" altLang="en-US" sz="2400" dirty="0"/>
+              <a:t>在画面中，视觉元素的外观不应该是一样的，除非他们的</a:t>
+            </a:r>
+            <a:r>
+              <a:rPr lang="zh-CN" altLang="en-US" sz="2400" dirty="0">
+                <a:solidFill>
+                  <a:srgbClr val="FF0000"/>
+                </a:solidFill>
+              </a:rPr>
+              <a:t>功能相近</a:t>
+            </a:r>
+            <a:r>
+              <a:rPr lang="zh-CN" altLang="en-US" sz="2400" dirty="0"/>
+              <a:t>。所有如果是功能相同或相近的元素，那么它们外观就应该是类似的</a:t>
+            </a:r>
+            <a:r>
+              <a:rPr lang="zh-CN" altLang="en-US" sz="2400" b="1" dirty="0"/>
               <a:t>，</a:t>
             </a:r>
             <a:r>
-              <a:rPr lang="zh-CN" altLang="en-US" sz="2400" b="1">
+              <a:rPr lang="zh-CN" altLang="en-US" sz="2400" b="1" dirty="0">
                 <a:sym typeface="+mn-ea"/>
               </a:rPr>
               <a:t>颜色、布局、大小写、字</a:t>
             </a:r>
             <a:r>
-              <a:rPr lang="zh-CN" altLang="en-US" sz="2400">
+              <a:rPr lang="zh-CN" altLang="en-US" sz="2400" dirty="0">
                 <a:sym typeface="+mn-ea"/>
               </a:rPr>
               <a:t>体等应自始至终保持一致。</a:t>
             </a:r>
             <a:r>
-              <a:rPr lang="zh-CN" altLang="en-US" sz="2400"/>
+              <a:rPr lang="zh-CN" altLang="en-US" sz="2400" dirty="0"/>
               <a:t>反之，如果元素各自的</a:t>
             </a:r>
             <a:r>
-              <a:rPr lang="zh-CN" altLang="en-US" sz="2400" b="1"/>
+              <a:rPr lang="zh-CN" altLang="en-US" sz="2400" b="1" dirty="0"/>
               <a:t>功能不同</a:t>
             </a:r>
             <a:r>
-              <a:rPr lang="zh-CN" altLang="en-US" sz="2400"/>
+              <a:rPr lang="zh-CN" altLang="en-US" sz="2400" dirty="0"/>
               <a:t>，那么它们的外观也应该不同。同时，类似的操作环境应提供一致的操作序列。</a:t>
             </a:r>
-            <a:endParaRPr lang="zh-CN" altLang="en-US"/>
+            <a:endParaRPr lang="zh-CN" altLang="en-US" dirty="0"/>
           </a:p>
         </p:txBody>
       </p:sp>
@@ -9464,7 +9476,7 @@
           <a:lstStyle/>
           <a:p>
             <a:r>
-              <a:rPr lang="en-US" altLang="zh-CN" sz="2800">
+              <a:rPr lang="en-US" altLang="zh-CN" sz="2800" dirty="0">
                 <a:solidFill>
                   <a:schemeClr val="tx1"/>
                 </a:solidFill>
@@ -9474,26 +9486,40 @@
               <a:t>4.</a:t>
             </a:r>
             <a:r>
-              <a:rPr lang="zh-CN" altLang="en-US" sz="2800">
+              <a:rPr lang="zh-CN" altLang="en-US" sz="2800" dirty="0">
                 <a:solidFill>
                   <a:schemeClr val="tx1"/>
                 </a:solidFill>
                 <a:uFillTx/>
                 <a:ea typeface="华文新魏" panose="02010800040101010101" charset="-122"/>
               </a:rPr>
-              <a:t>让用户掌控一切</a:t>
-            </a:r>
-            <a:endParaRPr lang="zh-CN" altLang="en-US" b="1"/>
-          </a:p>
-          <a:p>
-            <a:endParaRPr lang="zh-CN" altLang="en-US" b="1"/>
-          </a:p>
-          <a:p>
-            <a:endParaRPr lang="zh-CN" altLang="en-US" b="1"/>
-          </a:p>
-          <a:p>
-            <a:r>
-              <a:rPr lang="zh-CN" altLang="en-US" sz="2400">
+              <a:t>让用户</a:t>
+            </a:r>
+            <a:r>
+              <a:rPr lang="zh-CN" altLang="en-US" sz="2800" dirty="0">
+                <a:solidFill>
+                  <a:srgbClr val="FF0000"/>
+                </a:solidFill>
+                <a:uFillTx/>
+                <a:ea typeface="华文新魏" panose="02010800040101010101" charset="-122"/>
+              </a:rPr>
+              <a:t>掌控一切</a:t>
+            </a:r>
+            <a:endParaRPr lang="zh-CN" altLang="en-US" b="1" dirty="0">
+              <a:solidFill>
+                <a:srgbClr val="FF0000"/>
+              </a:solidFill>
+            </a:endParaRPr>
+          </a:p>
+          <a:p>
+            <a:endParaRPr lang="zh-CN" altLang="en-US" b="1" dirty="0"/>
+          </a:p>
+          <a:p>
+            <a:endParaRPr lang="zh-CN" altLang="en-US" b="1" dirty="0"/>
+          </a:p>
+          <a:p>
+            <a:r>
+              <a:rPr lang="zh-CN" altLang="en-US" sz="2400" dirty="0">
                 <a:solidFill>
                   <a:schemeClr val="tx1"/>
                 </a:solidFill>
@@ -9503,7 +9529,7 @@
               <a:t>人们会在自己能掌控的环境中感觉最舒心，最放松。设计草率的软件应用不但剥夺了这种舒适性，还会迫使人们面对毫无预期的互动，困惑的流程和意外的结果。通过定期的</a:t>
             </a:r>
             <a:r>
-              <a:rPr lang="zh-CN" altLang="en-US" sz="2400" b="1">
+              <a:rPr lang="zh-CN" altLang="en-US" sz="2400" b="1" dirty="0">
                 <a:solidFill>
                   <a:schemeClr val="tx1"/>
                 </a:solidFill>
@@ -9513,7 +9539,7 @@
               <a:t>梳理系统状态，描述因果关系</a:t>
             </a:r>
             <a:r>
-              <a:rPr lang="zh-CN" altLang="en-US" sz="2400">
+              <a:rPr lang="zh-CN" altLang="en-US" sz="2400" dirty="0">
                 <a:solidFill>
                   <a:schemeClr val="tx1"/>
                 </a:solidFill>
@@ -9523,7 +9549,7 @@
               <a:t>（如果你这个做了，就会被体现出来），并且在每一步操作都</a:t>
             </a:r>
             <a:r>
-              <a:rPr lang="zh-CN" altLang="en-US" sz="2400" b="1">
+              <a:rPr lang="zh-CN" altLang="en-US" sz="2400" b="1" dirty="0">
                 <a:solidFill>
                   <a:schemeClr val="tx1"/>
                 </a:solidFill>
@@ -9533,7 +9559,7 @@
               <a:t>给出提示</a:t>
             </a:r>
             <a:r>
-              <a:rPr lang="zh-CN" altLang="en-US" sz="2400">
+              <a:rPr lang="zh-CN" altLang="en-US" sz="2400" dirty="0">
                 <a:solidFill>
                   <a:schemeClr val="tx1"/>
                 </a:solidFill>
@@ -9542,7 +9568,7 @@
               </a:rPr>
               <a:t>，让用户感觉每一步操作都在他的掌控中。不要担心说，这不是“显而易见”的吗？因为世界上从来没有显而易见的事情。</a:t>
             </a:r>
-            <a:endParaRPr lang="zh-CN" altLang="en-US">
+            <a:endParaRPr lang="zh-CN" altLang="en-US" dirty="0">
               <a:solidFill>
                 <a:schemeClr val="tx1"/>
               </a:solidFill>
@@ -9551,7 +9577,7 @@
             </a:endParaRPr>
           </a:p>
           <a:p>
-            <a:endParaRPr lang="zh-CN" altLang="en-US">
+            <a:endParaRPr lang="zh-CN" altLang="en-US" dirty="0">
               <a:solidFill>
                 <a:schemeClr val="tx1"/>
               </a:solidFill>
@@ -10144,14 +10170,24 @@
           <a:lstStyle/>
           <a:p>
             <a:r>
-              <a:rPr lang="zh-CN" altLang="en-US" sz="2800">
-                <a:solidFill>
-                  <a:schemeClr val="tx1"/>
+              <a:rPr lang="zh-CN" altLang="en-US" sz="2800" dirty="0">
+                <a:solidFill>
+                  <a:srgbClr val="FF0000"/>
                 </a:solidFill>
                 <a:uFillTx/>
                 <a:ea typeface="华文新魏" panose="02010800040101010101" charset="-122"/>
               </a:rPr>
-              <a:t>三次点击原则</a:t>
+              <a:t>三次点击</a:t>
+            </a:r>
+            <a:r>
+              <a:rPr lang="zh-CN" altLang="en-US" sz="2800" dirty="0">
+                <a:solidFill>
+                  <a:schemeClr val="tx1"/>
+                </a:solidFill>
+                <a:uFillTx/>
+                <a:ea typeface="华文新魏" panose="02010800040101010101" charset="-122"/>
+              </a:rPr>
+              <a:t>原则</a:t>
             </a:r>
           </a:p>
         </p:txBody>
@@ -10447,10 +10483,19 @@
               <a:buChar char="•"/>
             </a:pPr>
             <a:r>
-              <a:rPr lang="zh-CN" altLang="en-US" sz="2400">
+              <a:rPr lang="zh-CN" altLang="en-US" sz="2400" dirty="0">
+                <a:solidFill>
+                  <a:srgbClr val="FF0000"/>
+                </a:solidFill>
                 <a:sym typeface="+mn-ea"/>
               </a:rPr>
-              <a:t>保持一致：一致性是人们习惯的需要，既可以保持界面的整洁，规整，又可以减轻人们学习和使用软件系统的负担。</a:t>
+              <a:t>保持一致</a:t>
+            </a:r>
+            <a:r>
+              <a:rPr lang="zh-CN" altLang="en-US" sz="2400" dirty="0">
+                <a:sym typeface="+mn-ea"/>
+              </a:rPr>
+              <a:t>：一致性是人们习惯的需要，既可以保持界面的整洁，规整，又可以减轻人们学习和使用软件系统的负担。</a:t>
             </a:r>
           </a:p>
         </p:txBody>
@@ -10482,8 +10527,16 @@
               <a:buChar char="•"/>
             </a:pPr>
             <a:r>
-              <a:rPr lang="zh-CN" altLang="en-US" sz="2400"/>
-              <a:t>对话过程：对话过程可以使用户明确当前进行的操作，以及系统准备或进行下一步的操作。</a:t>
+              <a:rPr lang="zh-CN" altLang="en-US" sz="2400" dirty="0">
+                <a:solidFill>
+                  <a:srgbClr val="FF0000"/>
+                </a:solidFill>
+              </a:rPr>
+              <a:t>对话过程</a:t>
+            </a:r>
+            <a:r>
+              <a:rPr lang="zh-CN" altLang="en-US" sz="2400" dirty="0"/>
+              <a:t>：对话过程可以使用户明确当前进行的操作，以及系统准备或进行下一步的操作。</a:t>
             </a:r>
           </a:p>
         </p:txBody>
@@ -10515,8 +10568,16 @@
               <a:buChar char="•"/>
             </a:pPr>
             <a:r>
-              <a:rPr lang="zh-CN" altLang="en-US" sz="2400"/>
-              <a:t>错误预防：如果用户犯了错误，界面应当检测到错误。并提供简单具体的指导来帮助恢复错误</a:t>
+              <a:rPr lang="zh-CN" altLang="en-US" sz="2400" dirty="0">
+                <a:solidFill>
+                  <a:srgbClr val="FF0000"/>
+                </a:solidFill>
+              </a:rPr>
+              <a:t>错误预防</a:t>
+            </a:r>
+            <a:r>
+              <a:rPr lang="zh-CN" altLang="en-US" sz="2400" dirty="0"/>
+              <a:t>：如果用户犯了错误，界面应当检测到错误。并提供简单具体的指导来帮助恢复错误</a:t>
             </a:r>
           </a:p>
         </p:txBody>
@@ -12128,23 +12189,43 @@
           <a:lstStyle/>
           <a:p>
             <a:r>
-              <a:rPr lang="en-US" altLang="zh-CN" dirty="0"/>
+              <a:rPr lang="en-US" altLang="zh-CN" dirty="0">
+                <a:solidFill>
+                  <a:srgbClr val="FF0000"/>
+                </a:solidFill>
+              </a:rPr>
               <a:t>PS</a:t>
             </a:r>
             <a:r>
-              <a:rPr lang="zh-CN" altLang="en-US" dirty="0"/>
+              <a:rPr lang="zh-CN" altLang="en-US" dirty="0">
+                <a:solidFill>
+                  <a:srgbClr val="FF0000"/>
+                </a:solidFill>
+              </a:rPr>
               <a:t>、</a:t>
             </a:r>
             <a:r>
-              <a:rPr lang="en-US" altLang="zh-CN" dirty="0"/>
+              <a:rPr lang="en-US" altLang="zh-CN" dirty="0">
+                <a:solidFill>
+                  <a:srgbClr val="FF0000"/>
+                </a:solidFill>
+              </a:rPr>
               <a:t>AI</a:t>
             </a:r>
             <a:r>
-              <a:rPr lang="zh-CN" altLang="en-US" dirty="0"/>
+              <a:rPr lang="zh-CN" altLang="en-US" dirty="0">
+                <a:solidFill>
+                  <a:srgbClr val="FF0000"/>
+                </a:solidFill>
+              </a:rPr>
               <a:t>、</a:t>
             </a:r>
             <a:r>
-              <a:rPr lang="en-US" altLang="zh-CN" dirty="0"/>
+              <a:rPr lang="en-US" altLang="zh-CN" dirty="0">
+                <a:solidFill>
+                  <a:srgbClr val="FF0000"/>
+                </a:solidFill>
+              </a:rPr>
               <a:t>Sketch</a:t>
             </a:r>
             <a:r>
@@ -12585,8 +12666,16 @@
               <a:t>– </a:t>
             </a:r>
             <a:r>
+              <a:rPr lang="zh-CN" altLang="en-US" dirty="0">
+                <a:solidFill>
+                  <a:srgbClr val="FF0000"/>
+                </a:solidFill>
+              </a:rPr>
+              <a:t>低保真</a:t>
+            </a:r>
+            <a:r>
               <a:rPr lang="zh-CN" altLang="en-US" dirty="0"/>
-              <a:t>底保真原型设计工具</a:t>
+              <a:t>原型设计工具</a:t>
             </a:r>
           </a:p>
         </p:txBody>
@@ -13572,8 +13661,16 @@
               <a:t>- </a:t>
             </a:r>
             <a:r>
+              <a:rPr lang="zh-CN" altLang="en-US" dirty="0">
+                <a:solidFill>
+                  <a:srgbClr val="FF0000"/>
+                </a:solidFill>
+              </a:rPr>
+              <a:t>高保真</a:t>
+            </a:r>
+            <a:r>
               <a:rPr lang="zh-CN" altLang="en-US" dirty="0"/>
-              <a:t>高保真原型设计工具</a:t>
+              <a:t>原型设计工具</a:t>
             </a:r>
             <a:r>
               <a:rPr lang="en-US" altLang="zh-CN" b="1" dirty="0" err="1"/>
@@ -14037,8 +14134,8 @@
         </p:blipFill>
         <p:spPr bwMode="auto">
           <a:xfrm>
-            <a:off x="5963667" y="374606"/>
-            <a:ext cx="5950883" cy="4167684"/>
+            <a:off x="4627925" y="374606"/>
+            <a:ext cx="7286626" cy="5103168"/>
           </a:xfrm>
           <a:prstGeom prst="rect">
             <a:avLst/>
@@ -14117,14 +14214,14 @@
         <p:spPr>
           <a:xfrm>
             <a:off x="0" y="1135518"/>
-            <a:ext cx="6096000" cy="2862322"/>
+            <a:ext cx="4796287" cy="2862322"/>
           </a:xfrm>
           <a:prstGeom prst="rect">
             <a:avLst/>
           </a:prstGeom>
         </p:spPr>
         <p:txBody>
-          <a:bodyPr>
+          <a:bodyPr wrap="square">
             <a:spAutoFit/>
           </a:bodyPr>
           <a:lstStyle/>
@@ -14134,8 +14231,16 @@
               <a:t>Axure – </a:t>
             </a:r>
             <a:r>
+              <a:rPr lang="zh-CN" altLang="en-US" b="1" dirty="0">
+                <a:solidFill>
+                  <a:srgbClr val="FF0000"/>
+                </a:solidFill>
+              </a:rPr>
+              <a:t>高保真</a:t>
+            </a:r>
+            <a:r>
               <a:rPr lang="zh-CN" altLang="en-US" b="1" dirty="0"/>
-              <a:t>高保真工具</a:t>
+              <a:t>工具</a:t>
             </a:r>
             <a:br>
               <a:rPr lang="zh-CN" altLang="en-US" dirty="0"/>
@@ -16556,7 +16661,7 @@
         </p:nvSpPr>
         <p:spPr>
           <a:xfrm>
-            <a:off x="434235" y="4623053"/>
+            <a:off x="356597" y="5063675"/>
             <a:ext cx="7215678" cy="1631216"/>
           </a:xfrm>
           <a:prstGeom prst="rect">
@@ -16663,8 +16768,8 @@
         </p:blipFill>
         <p:spPr>
           <a:xfrm>
-            <a:off x="5037826" y="163109"/>
-            <a:ext cx="7283570" cy="5572919"/>
+            <a:off x="3977333" y="163109"/>
+            <a:ext cx="8344063" cy="6384340"/>
           </a:xfrm>
           <a:prstGeom prst="rect">
             <a:avLst/>
@@ -16842,7 +16947,7 @@
         </p:nvSpPr>
         <p:spPr>
           <a:xfrm>
-            <a:off x="434235" y="4623053"/>
+            <a:off x="201322" y="6150114"/>
             <a:ext cx="7215678" cy="707886"/>
           </a:xfrm>
           <a:prstGeom prst="rect">
@@ -16916,8 +17021,8 @@
         </p:blipFill>
         <p:spPr>
           <a:xfrm>
-            <a:off x="5037826" y="163109"/>
-            <a:ext cx="7283570" cy="5572919"/>
+            <a:off x="3286664" y="163109"/>
+            <a:ext cx="9034732" cy="6912795"/>
           </a:xfrm>
           <a:prstGeom prst="rect">
             <a:avLst/>
@@ -17568,7 +17673,7 @@
           <a:lstStyle/>
           <a:p>
             <a:r>
-              <a:rPr lang="zh-CN" altLang="en-US" b="0" i="0">
+              <a:rPr lang="zh-CN" altLang="en-US" b="0" i="0" dirty="0">
                 <a:solidFill>
                   <a:srgbClr val="4F4F4F"/>
                 </a:solidFill>
@@ -17578,10 +17683,10 @@
               <a:t>四、设计对话，告诉用户任务已完成 </a:t>
             </a:r>
             <a:br>
-              <a:rPr lang="zh-CN" altLang="en-US"/>
+              <a:rPr lang="zh-CN" altLang="en-US" dirty="0"/>
             </a:br>
             <a:r>
-              <a:rPr lang="zh-CN" altLang="en-US" b="0" i="0">
+              <a:rPr lang="zh-CN" altLang="en-US" b="0" i="0" dirty="0">
                 <a:solidFill>
                   <a:srgbClr val="4F4F4F"/>
                 </a:solidFill>
@@ -17629,7 +17734,27 @@
                 <a:effectLst/>
                 <a:latin typeface="-apple-system"/>
               </a:rPr>
-              <a:t>五、提供错误预防和简单的纠错功能 </a:t>
+              <a:t>五、</a:t>
+            </a:r>
+            <a:r>
+              <a:rPr lang="zh-CN" altLang="en-US" b="0" i="0" dirty="0">
+                <a:solidFill>
+                  <a:srgbClr val="FF0000"/>
+                </a:solidFill>
+                <a:effectLst/>
+                <a:latin typeface="-apple-system"/>
+              </a:rPr>
+              <a:t>提供错误预防</a:t>
+            </a:r>
+            <a:r>
+              <a:rPr lang="zh-CN" altLang="en-US" b="0" i="0" dirty="0">
+                <a:solidFill>
+                  <a:srgbClr val="4F4F4F"/>
+                </a:solidFill>
+                <a:effectLst/>
+                <a:latin typeface="-apple-system"/>
+              </a:rPr>
+              <a:t>和简单的纠错功能 </a:t>
             </a:r>
             <a:br>
               <a:rPr lang="zh-CN" altLang="en-US" dirty="0"/>
@@ -17935,20 +18060,40 @@
           <a:lstStyle/>
           <a:p>
             <a:r>
-              <a:rPr lang="zh-CN" altLang="en-US" b="0" i="0">
+              <a:rPr lang="zh-CN" altLang="en-US" b="0" i="0" dirty="0">
                 <a:solidFill>
                   <a:srgbClr val="4F4F4F"/>
                 </a:solidFill>
                 <a:effectLst/>
                 <a:latin typeface="-apple-system"/>
               </a:rPr>
-              <a:t>七、用户应掌握控制权 </a:t>
+              <a:t>七、用户应</a:t>
+            </a:r>
+            <a:r>
+              <a:rPr lang="zh-CN" altLang="en-US" b="0" i="0" dirty="0">
+                <a:solidFill>
+                  <a:srgbClr val="FF0000"/>
+                </a:solidFill>
+                <a:effectLst/>
+                <a:latin typeface="-apple-system"/>
+              </a:rPr>
+              <a:t>掌握控制权</a:t>
+            </a:r>
+            <a:r>
+              <a:rPr lang="zh-CN" altLang="en-US" b="0" i="0" dirty="0">
+                <a:solidFill>
+                  <a:srgbClr val="4F4F4F"/>
+                </a:solidFill>
+                <a:effectLst/>
+                <a:latin typeface="-apple-system"/>
+              </a:rPr>
+              <a:t> </a:t>
             </a:r>
             <a:br>
-              <a:rPr lang="zh-CN" altLang="en-US"/>
+              <a:rPr lang="zh-CN" altLang="en-US" dirty="0"/>
             </a:br>
             <a:r>
-              <a:rPr lang="zh-CN" altLang="en-US" b="0" i="0">
+              <a:rPr lang="zh-CN" altLang="en-US" b="0" i="0" dirty="0">
                 <a:solidFill>
                   <a:srgbClr val="4F4F4F"/>
                 </a:solidFill>
@@ -17996,7 +18141,27 @@
                 <a:effectLst/>
                 <a:latin typeface="-apple-system"/>
               </a:rPr>
-              <a:t>八、减轻用户记忆负担 </a:t>
+              <a:t>八、减轻用户</a:t>
+            </a:r>
+            <a:r>
+              <a:rPr lang="zh-CN" altLang="en-US" b="0" i="0" dirty="0">
+                <a:solidFill>
+                  <a:srgbClr val="FF0000"/>
+                </a:solidFill>
+                <a:effectLst/>
+                <a:latin typeface="-apple-system"/>
+              </a:rPr>
+              <a:t>记忆负担</a:t>
+            </a:r>
+            <a:r>
+              <a:rPr lang="zh-CN" altLang="en-US" b="0" i="0" dirty="0">
+                <a:solidFill>
+                  <a:srgbClr val="4F4F4F"/>
+                </a:solidFill>
+                <a:effectLst/>
+                <a:latin typeface="-apple-system"/>
+              </a:rPr>
+              <a:t> </a:t>
             </a:r>
             <a:br>
               <a:rPr lang="zh-CN" altLang="en-US" dirty="0"/>
@@ -22876,6 +23041,42 @@
               <a:rPr kumimoji="1" lang="zh-CN" altLang="en-US" sz="2400" dirty="0"/>
               <a:t>界面原型</a:t>
             </a:r>
+          </a:p>
+        </p:txBody>
+      </p:sp>
+      <p:sp>
+        <p:nvSpPr>
+          <p:cNvPr id="7" name="文本框 6">
+            <a:extLst>
+              <a:ext uri="{FF2B5EF4-FFF2-40B4-BE49-F238E27FC236}">
+                <a16:creationId xmlns:a16="http://schemas.microsoft.com/office/drawing/2014/main" id="{E2D9DDFD-A5EB-4452-9B72-0F7CDD2C861A}"/>
+              </a:ext>
+            </a:extLst>
+          </p:cNvPr>
+          <p:cNvSpPr txBox="1"/>
+          <p:nvPr/>
+        </p:nvSpPr>
+        <p:spPr>
+          <a:xfrm>
+            <a:off x="8460796" y="5287218"/>
+            <a:ext cx="768159" cy="369332"/>
+          </a:xfrm>
+          <a:prstGeom prst="rect">
+            <a:avLst/>
+          </a:prstGeom>
+          <a:noFill/>
+        </p:spPr>
+        <p:txBody>
+          <a:bodyPr wrap="none" rtlCol="0">
+            <a:spAutoFit/>
+          </a:bodyPr>
+          <a:lstStyle/>
+          <a:p>
+            <a:r>
+              <a:rPr lang="en-US" altLang="zh-CN" dirty="0"/>
+              <a:t>【3】</a:t>
+            </a:r>
+            <a:endParaRPr lang="zh-CN" altLang="en-US" dirty="0"/>
           </a:p>
         </p:txBody>
       </p:sp>
